--- a/Short Story Assignment/CMPE258_Short_story_Presentation.pptx
+++ b/Short Story Assignment/CMPE258_Short_story_Presentation.pptx
@@ -23,6 +23,7 @@
     <p:sldId id="268" r:id="rId18"/>
     <p:sldId id="269" r:id="rId19"/>
     <p:sldId id="270" r:id="rId20"/>
+    <p:sldId id="271" r:id="rId21"/>
   </p:sldIdLst>
   <p:sldSz cy="5143500" cx="9144000"/>
   <p:notesSz cx="6858000" cy="9144000"/>
@@ -804,7 +805,7 @@
   <p:cSld>
     <p:spTree>
       <p:nvGrpSpPr>
-        <p:cNvPr id="108" name="Shape 108"/>
+        <p:cNvPr id="109" name="Shape 109"/>
         <p:cNvGrpSpPr/>
         <p:nvPr/>
       </p:nvGrpSpPr>
@@ -818,7 +819,7 @@
       </p:grpSpPr>
       <p:sp>
         <p:nvSpPr>
-          <p:cNvPr id="109" name="Google Shape;109;g120ace6ca0c_0_1:notes"/>
+          <p:cNvPr id="110" name="Google Shape;110;g120ace6ca0c_0_1:notes"/>
           <p:cNvSpPr/>
           <p:nvPr>
             <p:ph idx="2" type="sldImg"/>
@@ -853,7 +854,7 @@
       </p:sp>
       <p:sp>
         <p:nvSpPr>
-          <p:cNvPr id="110" name="Google Shape;110;g120ace6ca0c_0_1:notes"/>
+          <p:cNvPr id="111" name="Google Shape;111;g120ace6ca0c_0_1:notes"/>
           <p:cNvSpPr txBox="1"/>
           <p:nvPr>
             <p:ph idx="1" type="body"/>
@@ -903,7 +904,7 @@
   <p:cSld>
     <p:spTree>
       <p:nvGrpSpPr>
-        <p:cNvPr id="115" name="Shape 115"/>
+        <p:cNvPr id="116" name="Shape 116"/>
         <p:cNvGrpSpPr/>
         <p:nvPr/>
       </p:nvGrpSpPr>
@@ -917,7 +918,7 @@
       </p:grpSpPr>
       <p:sp>
         <p:nvSpPr>
-          <p:cNvPr id="116" name="Google Shape;116;g120b99c55ef_0_6:notes"/>
+          <p:cNvPr id="117" name="Google Shape;117;g120b99c55ef_0_6:notes"/>
           <p:cNvSpPr/>
           <p:nvPr>
             <p:ph idx="2" type="sldImg"/>
@@ -952,7 +953,7 @@
       </p:sp>
       <p:sp>
         <p:nvSpPr>
-          <p:cNvPr id="117" name="Google Shape;117;g120b99c55ef_0_6:notes"/>
+          <p:cNvPr id="118" name="Google Shape;118;g120b99c55ef_0_6:notes"/>
           <p:cNvSpPr txBox="1"/>
           <p:nvPr>
             <p:ph idx="1" type="body"/>
@@ -1002,7 +1003,7 @@
   <p:cSld>
     <p:spTree>
       <p:nvGrpSpPr>
-        <p:cNvPr id="122" name="Shape 122"/>
+        <p:cNvPr id="123" name="Shape 123"/>
         <p:cNvGrpSpPr/>
         <p:nvPr/>
       </p:nvGrpSpPr>
@@ -1016,7 +1017,7 @@
       </p:grpSpPr>
       <p:sp>
         <p:nvSpPr>
-          <p:cNvPr id="123" name="Google Shape;123;g120ace6ca0c_0_11:notes"/>
+          <p:cNvPr id="124" name="Google Shape;124;g120ace6ca0c_0_11:notes"/>
           <p:cNvSpPr/>
           <p:nvPr>
             <p:ph idx="2" type="sldImg"/>
@@ -1051,7 +1052,7 @@
       </p:sp>
       <p:sp>
         <p:nvSpPr>
-          <p:cNvPr id="124" name="Google Shape;124;g120ace6ca0c_0_11:notes"/>
+          <p:cNvPr id="125" name="Google Shape;125;g120ace6ca0c_0_11:notes"/>
           <p:cNvSpPr txBox="1"/>
           <p:nvPr>
             <p:ph idx="1" type="body"/>
@@ -1101,7 +1102,7 @@
   <p:cSld>
     <p:spTree>
       <p:nvGrpSpPr>
-        <p:cNvPr id="128" name="Shape 128"/>
+        <p:cNvPr id="129" name="Shape 129"/>
         <p:cNvGrpSpPr/>
         <p:nvPr/>
       </p:nvGrpSpPr>
@@ -1115,7 +1116,7 @@
       </p:grpSpPr>
       <p:sp>
         <p:nvSpPr>
-          <p:cNvPr id="129" name="Google Shape;129;g120ace6ca0c_0_6:notes"/>
+          <p:cNvPr id="130" name="Google Shape;130;g120ace6ca0c_0_6:notes"/>
           <p:cNvSpPr/>
           <p:nvPr>
             <p:ph idx="2" type="sldImg"/>
@@ -1150,7 +1151,7 @@
       </p:sp>
       <p:sp>
         <p:nvSpPr>
-          <p:cNvPr id="130" name="Google Shape;130;g120ace6ca0c_0_6:notes"/>
+          <p:cNvPr id="131" name="Google Shape;131;g120ace6ca0c_0_6:notes"/>
           <p:cNvSpPr txBox="1"/>
           <p:nvPr>
             <p:ph idx="1" type="body"/>
@@ -1200,7 +1201,7 @@
   <p:cSld>
     <p:spTree>
       <p:nvGrpSpPr>
-        <p:cNvPr id="134" name="Shape 134"/>
+        <p:cNvPr id="135" name="Shape 135"/>
         <p:cNvGrpSpPr/>
         <p:nvPr/>
       </p:nvGrpSpPr>
@@ -1214,7 +1215,7 @@
       </p:grpSpPr>
       <p:sp>
         <p:nvSpPr>
-          <p:cNvPr id="135" name="Google Shape;135;g120ace6ca0c_0_18:notes"/>
+          <p:cNvPr id="136" name="Google Shape;136;g120ace6ca0c_0_18:notes"/>
           <p:cNvSpPr/>
           <p:nvPr>
             <p:ph idx="2" type="sldImg"/>
@@ -1249,7 +1250,7 @@
       </p:sp>
       <p:sp>
         <p:nvSpPr>
-          <p:cNvPr id="136" name="Google Shape;136;g120ace6ca0c_0_18:notes"/>
+          <p:cNvPr id="137" name="Google Shape;137;g120ace6ca0c_0_18:notes"/>
           <p:cNvSpPr txBox="1"/>
           <p:nvPr>
             <p:ph idx="1" type="body"/>
@@ -1299,7 +1300,7 @@
   <p:cSld>
     <p:spTree>
       <p:nvGrpSpPr>
-        <p:cNvPr id="140" name="Shape 140"/>
+        <p:cNvPr id="141" name="Shape 141"/>
         <p:cNvGrpSpPr/>
         <p:nvPr/>
       </p:nvGrpSpPr>
@@ -1313,7 +1314,7 @@
       </p:grpSpPr>
       <p:sp>
         <p:nvSpPr>
-          <p:cNvPr id="141" name="Google Shape;141;g120ace6ca0c_0_23:notes"/>
+          <p:cNvPr id="142" name="Google Shape;142;g12474d64c01_0_0:notes"/>
           <p:cNvSpPr/>
           <p:nvPr>
             <p:ph idx="2" type="sldImg"/>
@@ -1348,7 +1349,7 @@
       </p:sp>
       <p:sp>
         <p:nvSpPr>
-          <p:cNvPr id="142" name="Google Shape;142;g120ace6ca0c_0_23:notes"/>
+          <p:cNvPr id="143" name="Google Shape;143;g12474d64c01_0_0:notes"/>
           <p:cNvSpPr txBox="1"/>
           <p:nvPr>
             <p:ph idx="1" type="body"/>
@@ -1393,12 +1394,12 @@
 </p:notes>
 </file>
 
-<file path=ppt/notesSlides/notesSlide2.xml><?xml version="1.0" encoding="utf-8"?>
+<file path=ppt/notesSlides/notesSlide16.xml><?xml version="1.0" encoding="utf-8"?>
 <p:notes xmlns:a="http://schemas.openxmlformats.org/drawingml/2006/main" xmlns:r="http://schemas.openxmlformats.org/officeDocument/2006/relationships" xmlns:mc="http://schemas.openxmlformats.org/markup-compatibility/2006" xmlns:mv="urn:schemas-microsoft-com:mac:vml" xmlns:p="http://schemas.openxmlformats.org/presentationml/2006/main" xmlns:c="http://schemas.openxmlformats.org/drawingml/2006/chart" xmlns:dgm="http://schemas.openxmlformats.org/drawingml/2006/diagram" xmlns:o="urn:schemas-microsoft-com:office:office" xmlns:v="urn:schemas-microsoft-com:vml" xmlns:pvml="urn:schemas-microsoft-com:office:powerpoint" xmlns:com="http://schemas.openxmlformats.org/drawingml/2006/compatibility" xmlns:p14="http://schemas.microsoft.com/office/powerpoint/2010/main" xmlns:p15="http://schemas.microsoft.com/office/powerpoint/2012/main" xmlns:ahyp="http://schemas.microsoft.com/office/drawing/2018/hyperlinkcolor" showMasterPhAnim="0" showMasterSp="0">
   <p:cSld>
     <p:spTree>
       <p:nvGrpSpPr>
-        <p:cNvPr id="56" name="Shape 56"/>
+        <p:cNvPr id="147" name="Shape 147"/>
         <p:cNvGrpSpPr/>
         <p:nvPr/>
       </p:nvGrpSpPr>
@@ -1412,7 +1413,7 @@
       </p:grpSpPr>
       <p:sp>
         <p:nvSpPr>
-          <p:cNvPr id="57" name="Google Shape;57;g11f52523451_0_0:notes"/>
+          <p:cNvPr id="148" name="Google Shape;148;g120ace6ca0c_0_23:notes"/>
           <p:cNvSpPr/>
           <p:nvPr>
             <p:ph idx="2" type="sldImg"/>
@@ -1447,7 +1448,7 @@
       </p:sp>
       <p:sp>
         <p:nvSpPr>
-          <p:cNvPr id="58" name="Google Shape;58;g11f52523451_0_0:notes"/>
+          <p:cNvPr id="149" name="Google Shape;149;g120ace6ca0c_0_23:notes"/>
           <p:cNvSpPr txBox="1"/>
           <p:nvPr>
             <p:ph idx="1" type="body"/>
@@ -1492,12 +1493,12 @@
 </p:notes>
 </file>
 
-<file path=ppt/notesSlides/notesSlide3.xml><?xml version="1.0" encoding="utf-8"?>
+<file path=ppt/notesSlides/notesSlide2.xml><?xml version="1.0" encoding="utf-8"?>
 <p:notes xmlns:a="http://schemas.openxmlformats.org/drawingml/2006/main" xmlns:r="http://schemas.openxmlformats.org/officeDocument/2006/relationships" xmlns:mc="http://schemas.openxmlformats.org/markup-compatibility/2006" xmlns:mv="urn:schemas-microsoft-com:mac:vml" xmlns:p="http://schemas.openxmlformats.org/presentationml/2006/main" xmlns:c="http://schemas.openxmlformats.org/drawingml/2006/chart" xmlns:dgm="http://schemas.openxmlformats.org/drawingml/2006/diagram" xmlns:o="urn:schemas-microsoft-com:office:office" xmlns:v="urn:schemas-microsoft-com:vml" xmlns:pvml="urn:schemas-microsoft-com:office:powerpoint" xmlns:com="http://schemas.openxmlformats.org/drawingml/2006/compatibility" xmlns:p14="http://schemas.microsoft.com/office/powerpoint/2010/main" xmlns:p15="http://schemas.microsoft.com/office/powerpoint/2012/main" xmlns:ahyp="http://schemas.microsoft.com/office/drawing/2018/hyperlinkcolor" showMasterPhAnim="0" showMasterSp="0">
   <p:cSld>
     <p:spTree>
       <p:nvGrpSpPr>
-        <p:cNvPr id="62" name="Shape 62"/>
+        <p:cNvPr id="57" name="Shape 57"/>
         <p:cNvGrpSpPr/>
         <p:nvPr/>
       </p:nvGrpSpPr>
@@ -1511,7 +1512,7 @@
       </p:grpSpPr>
       <p:sp>
         <p:nvSpPr>
-          <p:cNvPr id="63" name="Google Shape;63;g11f52523451_0_6:notes"/>
+          <p:cNvPr id="58" name="Google Shape;58;g11f52523451_0_0:notes"/>
           <p:cNvSpPr/>
           <p:nvPr>
             <p:ph idx="2" type="sldImg"/>
@@ -1546,7 +1547,7 @@
       </p:sp>
       <p:sp>
         <p:nvSpPr>
-          <p:cNvPr id="64" name="Google Shape;64;g11f52523451_0_6:notes"/>
+          <p:cNvPr id="59" name="Google Shape;59;g11f52523451_0_0:notes"/>
           <p:cNvSpPr txBox="1"/>
           <p:nvPr>
             <p:ph idx="1" type="body"/>
@@ -1591,12 +1592,12 @@
 </p:notes>
 </file>
 
-<file path=ppt/notesSlides/notesSlide4.xml><?xml version="1.0" encoding="utf-8"?>
+<file path=ppt/notesSlides/notesSlide3.xml><?xml version="1.0" encoding="utf-8"?>
 <p:notes xmlns:a="http://schemas.openxmlformats.org/drawingml/2006/main" xmlns:r="http://schemas.openxmlformats.org/officeDocument/2006/relationships" xmlns:mc="http://schemas.openxmlformats.org/markup-compatibility/2006" xmlns:mv="urn:schemas-microsoft-com:mac:vml" xmlns:p="http://schemas.openxmlformats.org/presentationml/2006/main" xmlns:c="http://schemas.openxmlformats.org/drawingml/2006/chart" xmlns:dgm="http://schemas.openxmlformats.org/drawingml/2006/diagram" xmlns:o="urn:schemas-microsoft-com:office:office" xmlns:v="urn:schemas-microsoft-com:vml" xmlns:pvml="urn:schemas-microsoft-com:office:powerpoint" xmlns:com="http://schemas.openxmlformats.org/drawingml/2006/compatibility" xmlns:p14="http://schemas.microsoft.com/office/powerpoint/2010/main" xmlns:p15="http://schemas.microsoft.com/office/powerpoint/2012/main" xmlns:ahyp="http://schemas.microsoft.com/office/drawing/2018/hyperlinkcolor" showMasterPhAnim="0" showMasterSp="0">
   <p:cSld>
     <p:spTree>
       <p:nvGrpSpPr>
-        <p:cNvPr id="68" name="Shape 68"/>
+        <p:cNvPr id="63" name="Shape 63"/>
         <p:cNvGrpSpPr/>
         <p:nvPr/>
       </p:nvGrpSpPr>
@@ -1610,7 +1611,7 @@
       </p:grpSpPr>
       <p:sp>
         <p:nvSpPr>
-          <p:cNvPr id="69" name="Google Shape;69;g11f52523451_0_12:notes"/>
+          <p:cNvPr id="64" name="Google Shape;64;g11f52523451_0_6:notes"/>
           <p:cNvSpPr/>
           <p:nvPr>
             <p:ph idx="2" type="sldImg"/>
@@ -1645,7 +1646,7 @@
       </p:sp>
       <p:sp>
         <p:nvSpPr>
-          <p:cNvPr id="70" name="Google Shape;70;g11f52523451_0_12:notes"/>
+          <p:cNvPr id="65" name="Google Shape;65;g11f52523451_0_6:notes"/>
           <p:cNvSpPr txBox="1"/>
           <p:nvPr>
             <p:ph idx="1" type="body"/>
@@ -1690,12 +1691,12 @@
 </p:notes>
 </file>
 
-<file path=ppt/notesSlides/notesSlide5.xml><?xml version="1.0" encoding="utf-8"?>
+<file path=ppt/notesSlides/notesSlide4.xml><?xml version="1.0" encoding="utf-8"?>
 <p:notes xmlns:a="http://schemas.openxmlformats.org/drawingml/2006/main" xmlns:r="http://schemas.openxmlformats.org/officeDocument/2006/relationships" xmlns:mc="http://schemas.openxmlformats.org/markup-compatibility/2006" xmlns:mv="urn:schemas-microsoft-com:mac:vml" xmlns:p="http://schemas.openxmlformats.org/presentationml/2006/main" xmlns:c="http://schemas.openxmlformats.org/drawingml/2006/chart" xmlns:dgm="http://schemas.openxmlformats.org/drawingml/2006/diagram" xmlns:o="urn:schemas-microsoft-com:office:office" xmlns:v="urn:schemas-microsoft-com:vml" xmlns:pvml="urn:schemas-microsoft-com:office:powerpoint" xmlns:com="http://schemas.openxmlformats.org/drawingml/2006/compatibility" xmlns:p14="http://schemas.microsoft.com/office/powerpoint/2010/main" xmlns:p15="http://schemas.microsoft.com/office/powerpoint/2012/main" xmlns:ahyp="http://schemas.microsoft.com/office/drawing/2018/hyperlinkcolor" showMasterPhAnim="0" showMasterSp="0">
   <p:cSld>
     <p:spTree>
       <p:nvGrpSpPr>
-        <p:cNvPr id="75" name="Shape 75"/>
+        <p:cNvPr id="69" name="Shape 69"/>
         <p:cNvGrpSpPr/>
         <p:nvPr/>
       </p:nvGrpSpPr>
@@ -1709,7 +1710,7 @@
       </p:grpSpPr>
       <p:sp>
         <p:nvSpPr>
-          <p:cNvPr id="76" name="Google Shape;76;g11f52523451_0_17:notes"/>
+          <p:cNvPr id="70" name="Google Shape;70;g11f52523451_0_12:notes"/>
           <p:cNvSpPr/>
           <p:nvPr>
             <p:ph idx="2" type="sldImg"/>
@@ -1744,7 +1745,7 @@
       </p:sp>
       <p:sp>
         <p:nvSpPr>
-          <p:cNvPr id="77" name="Google Shape;77;g11f52523451_0_17:notes"/>
+          <p:cNvPr id="71" name="Google Shape;71;g11f52523451_0_12:notes"/>
           <p:cNvSpPr txBox="1"/>
           <p:nvPr>
             <p:ph idx="1" type="body"/>
@@ -1789,12 +1790,12 @@
 </p:notes>
 </file>
 
-<file path=ppt/notesSlides/notesSlide6.xml><?xml version="1.0" encoding="utf-8"?>
+<file path=ppt/notesSlides/notesSlide5.xml><?xml version="1.0" encoding="utf-8"?>
 <p:notes xmlns:a="http://schemas.openxmlformats.org/drawingml/2006/main" xmlns:r="http://schemas.openxmlformats.org/officeDocument/2006/relationships" xmlns:mc="http://schemas.openxmlformats.org/markup-compatibility/2006" xmlns:mv="urn:schemas-microsoft-com:mac:vml" xmlns:p="http://schemas.openxmlformats.org/presentationml/2006/main" xmlns:c="http://schemas.openxmlformats.org/drawingml/2006/chart" xmlns:dgm="http://schemas.openxmlformats.org/drawingml/2006/diagram" xmlns:o="urn:schemas-microsoft-com:office:office" xmlns:v="urn:schemas-microsoft-com:vml" xmlns:pvml="urn:schemas-microsoft-com:office:powerpoint" xmlns:com="http://schemas.openxmlformats.org/drawingml/2006/compatibility" xmlns:p14="http://schemas.microsoft.com/office/powerpoint/2010/main" xmlns:p15="http://schemas.microsoft.com/office/powerpoint/2012/main" xmlns:ahyp="http://schemas.microsoft.com/office/drawing/2018/hyperlinkcolor" showMasterPhAnim="0" showMasterSp="0">
   <p:cSld>
     <p:spTree>
       <p:nvGrpSpPr>
-        <p:cNvPr id="82" name="Shape 82"/>
+        <p:cNvPr id="76" name="Shape 76"/>
         <p:cNvGrpSpPr/>
         <p:nvPr/>
       </p:nvGrpSpPr>
@@ -1808,7 +1809,7 @@
       </p:grpSpPr>
       <p:sp>
         <p:nvSpPr>
-          <p:cNvPr id="83" name="Google Shape;83;g11f52523451_0_22:notes"/>
+          <p:cNvPr id="77" name="Google Shape;77;g11f52523451_0_17:notes"/>
           <p:cNvSpPr/>
           <p:nvPr>
             <p:ph idx="2" type="sldImg"/>
@@ -1843,7 +1844,7 @@
       </p:sp>
       <p:sp>
         <p:nvSpPr>
-          <p:cNvPr id="84" name="Google Shape;84;g11f52523451_0_22:notes"/>
+          <p:cNvPr id="78" name="Google Shape;78;g11f52523451_0_17:notes"/>
           <p:cNvSpPr txBox="1"/>
           <p:nvPr>
             <p:ph idx="1" type="body"/>
@@ -1888,12 +1889,12 @@
 </p:notes>
 </file>
 
-<file path=ppt/notesSlides/notesSlide7.xml><?xml version="1.0" encoding="utf-8"?>
+<file path=ppt/notesSlides/notesSlide6.xml><?xml version="1.0" encoding="utf-8"?>
 <p:notes xmlns:a="http://schemas.openxmlformats.org/drawingml/2006/main" xmlns:r="http://schemas.openxmlformats.org/officeDocument/2006/relationships" xmlns:mc="http://schemas.openxmlformats.org/markup-compatibility/2006" xmlns:mv="urn:schemas-microsoft-com:mac:vml" xmlns:p="http://schemas.openxmlformats.org/presentationml/2006/main" xmlns:c="http://schemas.openxmlformats.org/drawingml/2006/chart" xmlns:dgm="http://schemas.openxmlformats.org/drawingml/2006/diagram" xmlns:o="urn:schemas-microsoft-com:office:office" xmlns:v="urn:schemas-microsoft-com:vml" xmlns:pvml="urn:schemas-microsoft-com:office:powerpoint" xmlns:com="http://schemas.openxmlformats.org/drawingml/2006/compatibility" xmlns:p14="http://schemas.microsoft.com/office/powerpoint/2010/main" xmlns:p15="http://schemas.microsoft.com/office/powerpoint/2012/main" xmlns:ahyp="http://schemas.microsoft.com/office/drawing/2018/hyperlinkcolor" showMasterPhAnim="0" showMasterSp="0">
   <p:cSld>
     <p:spTree>
       <p:nvGrpSpPr>
-        <p:cNvPr id="89" name="Shape 89"/>
+        <p:cNvPr id="83" name="Shape 83"/>
         <p:cNvGrpSpPr/>
         <p:nvPr/>
       </p:nvGrpSpPr>
@@ -1907,7 +1908,7 @@
       </p:grpSpPr>
       <p:sp>
         <p:nvSpPr>
-          <p:cNvPr id="90" name="Google Shape;90;g11f52523451_0_27:notes"/>
+          <p:cNvPr id="84" name="Google Shape;84;g11f52523451_0_22:notes"/>
           <p:cNvSpPr/>
           <p:nvPr>
             <p:ph idx="2" type="sldImg"/>
@@ -1942,7 +1943,7 @@
       </p:sp>
       <p:sp>
         <p:nvSpPr>
-          <p:cNvPr id="91" name="Google Shape;91;g11f52523451_0_27:notes"/>
+          <p:cNvPr id="85" name="Google Shape;85;g11f52523451_0_22:notes"/>
           <p:cNvSpPr txBox="1"/>
           <p:nvPr>
             <p:ph idx="1" type="body"/>
@@ -1987,12 +1988,12 @@
 </p:notes>
 </file>
 
-<file path=ppt/notesSlides/notesSlide8.xml><?xml version="1.0" encoding="utf-8"?>
+<file path=ppt/notesSlides/notesSlide7.xml><?xml version="1.0" encoding="utf-8"?>
 <p:notes xmlns:a="http://schemas.openxmlformats.org/drawingml/2006/main" xmlns:r="http://schemas.openxmlformats.org/officeDocument/2006/relationships" xmlns:mc="http://schemas.openxmlformats.org/markup-compatibility/2006" xmlns:mv="urn:schemas-microsoft-com:mac:vml" xmlns:p="http://schemas.openxmlformats.org/presentationml/2006/main" xmlns:c="http://schemas.openxmlformats.org/drawingml/2006/chart" xmlns:dgm="http://schemas.openxmlformats.org/drawingml/2006/diagram" xmlns:o="urn:schemas-microsoft-com:office:office" xmlns:v="urn:schemas-microsoft-com:vml" xmlns:pvml="urn:schemas-microsoft-com:office:powerpoint" xmlns:com="http://schemas.openxmlformats.org/drawingml/2006/compatibility" xmlns:p14="http://schemas.microsoft.com/office/powerpoint/2010/main" xmlns:p15="http://schemas.microsoft.com/office/powerpoint/2012/main" xmlns:ahyp="http://schemas.microsoft.com/office/drawing/2018/hyperlinkcolor" showMasterPhAnim="0" showMasterSp="0">
   <p:cSld>
     <p:spTree>
       <p:nvGrpSpPr>
-        <p:cNvPr id="95" name="Shape 95"/>
+        <p:cNvPr id="90" name="Shape 90"/>
         <p:cNvGrpSpPr/>
         <p:nvPr/>
       </p:nvGrpSpPr>
@@ -2006,7 +2007,7 @@
       </p:grpSpPr>
       <p:sp>
         <p:nvSpPr>
-          <p:cNvPr id="96" name="Google Shape;96;g11f52523451_0_32:notes"/>
+          <p:cNvPr id="91" name="Google Shape;91;g11f52523451_0_27:notes"/>
           <p:cNvSpPr/>
           <p:nvPr>
             <p:ph idx="2" type="sldImg"/>
@@ -2041,7 +2042,7 @@
       </p:sp>
       <p:sp>
         <p:nvSpPr>
-          <p:cNvPr id="97" name="Google Shape;97;g11f52523451_0_32:notes"/>
+          <p:cNvPr id="92" name="Google Shape;92;g11f52523451_0_27:notes"/>
           <p:cNvSpPr txBox="1"/>
           <p:nvPr>
             <p:ph idx="1" type="body"/>
@@ -2086,12 +2087,12 @@
 </p:notes>
 </file>
 
-<file path=ppt/notesSlides/notesSlide9.xml><?xml version="1.0" encoding="utf-8"?>
+<file path=ppt/notesSlides/notesSlide8.xml><?xml version="1.0" encoding="utf-8"?>
 <p:notes xmlns:a="http://schemas.openxmlformats.org/drawingml/2006/main" xmlns:r="http://schemas.openxmlformats.org/officeDocument/2006/relationships" xmlns:mc="http://schemas.openxmlformats.org/markup-compatibility/2006" xmlns:mv="urn:schemas-microsoft-com:mac:vml" xmlns:p="http://schemas.openxmlformats.org/presentationml/2006/main" xmlns:c="http://schemas.openxmlformats.org/drawingml/2006/chart" xmlns:dgm="http://schemas.openxmlformats.org/drawingml/2006/diagram" xmlns:o="urn:schemas-microsoft-com:office:office" xmlns:v="urn:schemas-microsoft-com:vml" xmlns:pvml="urn:schemas-microsoft-com:office:powerpoint" xmlns:com="http://schemas.openxmlformats.org/drawingml/2006/compatibility" xmlns:p14="http://schemas.microsoft.com/office/powerpoint/2010/main" xmlns:p15="http://schemas.microsoft.com/office/powerpoint/2012/main" xmlns:ahyp="http://schemas.microsoft.com/office/drawing/2018/hyperlinkcolor" showMasterPhAnim="0" showMasterSp="0">
   <p:cSld>
     <p:spTree>
       <p:nvGrpSpPr>
-        <p:cNvPr id="102" name="Shape 102"/>
+        <p:cNvPr id="96" name="Shape 96"/>
         <p:cNvGrpSpPr/>
         <p:nvPr/>
       </p:nvGrpSpPr>
@@ -2105,7 +2106,7 @@
       </p:grpSpPr>
       <p:sp>
         <p:nvSpPr>
-          <p:cNvPr id="103" name="Google Shape;103;g11f52523451_0_37:notes"/>
+          <p:cNvPr id="97" name="Google Shape;97;g11f52523451_0_32:notes"/>
           <p:cNvSpPr/>
           <p:nvPr>
             <p:ph idx="2" type="sldImg"/>
@@ -2140,7 +2141,106 @@
       </p:sp>
       <p:sp>
         <p:nvSpPr>
+          <p:cNvPr id="98" name="Google Shape;98;g11f52523451_0_32:notes"/>
+          <p:cNvSpPr txBox="1"/>
+          <p:nvPr>
+            <p:ph idx="1" type="body"/>
+          </p:nvPr>
+        </p:nvSpPr>
+        <p:spPr>
+          <a:xfrm>
+            <a:off x="685800" y="4343400"/>
+            <a:ext cx="5486400" cy="4114800"/>
+          </a:xfrm>
+          <a:prstGeom prst="rect">
+            <a:avLst/>
+          </a:prstGeom>
+        </p:spPr>
+        <p:txBody>
+          <a:bodyPr anchorCtr="0" anchor="t" bIns="91425" lIns="91425" spcFirstLastPara="1" rIns="91425" wrap="square" tIns="91425">
+            <a:noAutofit/>
+          </a:bodyPr>
+          <a:lstStyle/>
+          <a:p>
+            <a:pPr indent="0" lvl="0" marL="0" rtl="0" algn="l">
+              <a:spcBef>
+                <a:spcPts val="0"/>
+              </a:spcBef>
+              <a:spcAft>
+                <a:spcPts val="0"/>
+              </a:spcAft>
+              <a:buNone/>
+            </a:pPr>
+            <a:r>
+              <a:t/>
+            </a:r>
+            <a:endParaRPr/>
+          </a:p>
+        </p:txBody>
+      </p:sp>
+    </p:spTree>
+  </p:cSld>
+  <p:clrMapOvr>
+    <a:masterClrMapping/>
+  </p:clrMapOvr>
+</p:notes>
+</file>
+
+<file path=ppt/notesSlides/notesSlide9.xml><?xml version="1.0" encoding="utf-8"?>
+<p:notes xmlns:a="http://schemas.openxmlformats.org/drawingml/2006/main" xmlns:r="http://schemas.openxmlformats.org/officeDocument/2006/relationships" xmlns:mc="http://schemas.openxmlformats.org/markup-compatibility/2006" xmlns:mv="urn:schemas-microsoft-com:mac:vml" xmlns:p="http://schemas.openxmlformats.org/presentationml/2006/main" xmlns:c="http://schemas.openxmlformats.org/drawingml/2006/chart" xmlns:dgm="http://schemas.openxmlformats.org/drawingml/2006/diagram" xmlns:o="urn:schemas-microsoft-com:office:office" xmlns:v="urn:schemas-microsoft-com:vml" xmlns:pvml="urn:schemas-microsoft-com:office:powerpoint" xmlns:com="http://schemas.openxmlformats.org/drawingml/2006/compatibility" xmlns:p14="http://schemas.microsoft.com/office/powerpoint/2010/main" xmlns:p15="http://schemas.microsoft.com/office/powerpoint/2012/main" xmlns:ahyp="http://schemas.microsoft.com/office/drawing/2018/hyperlinkcolor" showMasterPhAnim="0" showMasterSp="0">
+  <p:cSld>
+    <p:spTree>
+      <p:nvGrpSpPr>
+        <p:cNvPr id="103" name="Shape 103"/>
+        <p:cNvGrpSpPr/>
+        <p:nvPr/>
+      </p:nvGrpSpPr>
+      <p:grpSpPr>
+        <a:xfrm>
+          <a:off x="0" y="0"/>
+          <a:ext cx="0" cy="0"/>
+          <a:chOff x="0" y="0"/>
+          <a:chExt cx="0" cy="0"/>
+        </a:xfrm>
+      </p:grpSpPr>
+      <p:sp>
+        <p:nvSpPr>
           <p:cNvPr id="104" name="Google Shape;104;g11f52523451_0_37:notes"/>
+          <p:cNvSpPr/>
+          <p:nvPr>
+            <p:ph idx="2" type="sldImg"/>
+          </p:nvPr>
+        </p:nvSpPr>
+        <p:spPr>
+          <a:xfrm>
+            <a:off x="381300" y="685800"/>
+            <a:ext cx="6096000" cy="3429000"/>
+          </a:xfrm>
+          <a:custGeom>
+            <a:rect b="b" l="l" r="r" t="t"/>
+            <a:pathLst>
+              <a:path extrusionOk="0" h="120000" w="120000">
+                <a:moveTo>
+                  <a:pt x="0" y="0"/>
+                </a:moveTo>
+                <a:lnTo>
+                  <a:pt x="120000" y="0"/>
+                </a:lnTo>
+                <a:lnTo>
+                  <a:pt x="120000" y="120000"/>
+                </a:lnTo>
+                <a:lnTo>
+                  <a:pt x="0" y="120000"/>
+                </a:lnTo>
+                <a:close/>
+              </a:path>
+            </a:pathLst>
+          </a:custGeom>
+        </p:spPr>
+      </p:sp>
+      <p:sp>
+        <p:nvSpPr>
+          <p:cNvPr id="105" name="Google Shape;105;g11f52523451_0_37:notes"/>
           <p:cNvSpPr txBox="1"/>
           <p:nvPr>
             <p:ph idx="1" type="body"/>
@@ -6925,7 +7025,7 @@
             </a:pPr>
             <a:r>
               <a:rPr lang="en"/>
-              <a:t>Short Story Assignment - CMPE258 Deep Learning</a:t>
+              <a:t>Short Story Assignment - CMPE 258 Deep Learning</a:t>
             </a:r>
             <a:endParaRPr/>
           </a:p>
@@ -6942,6 +7042,91 @@
             <a:r>
               <a:rPr lang="en"/>
               <a:t>					</a:t>
+            </a:r>
+            <a:endParaRPr/>
+          </a:p>
+        </p:txBody>
+      </p:sp>
+      <p:sp>
+        <p:nvSpPr>
+          <p:cNvPr id="56" name="Google Shape;56;p13"/>
+          <p:cNvSpPr txBox="1"/>
+          <p:nvPr/>
+        </p:nvSpPr>
+        <p:spPr>
+          <a:xfrm>
+            <a:off x="6381200" y="3479600"/>
+            <a:ext cx="2393700" cy="863400"/>
+          </a:xfrm>
+          <a:prstGeom prst="rect">
+            <a:avLst/>
+          </a:prstGeom>
+          <a:noFill/>
+          <a:ln>
+            <a:noFill/>
+          </a:ln>
+        </p:spPr>
+        <p:txBody>
+          <a:bodyPr anchorCtr="0" anchor="t" bIns="91425" lIns="91425" spcFirstLastPara="1" rIns="91425" wrap="square" tIns="91425">
+            <a:spAutoFit/>
+          </a:bodyPr>
+          <a:lstStyle/>
+          <a:p>
+            <a:pPr indent="0" lvl="0" marL="0" rtl="0" algn="l">
+              <a:spcBef>
+                <a:spcPts val="0"/>
+              </a:spcBef>
+              <a:spcAft>
+                <a:spcPts val="0"/>
+              </a:spcAft>
+              <a:buNone/>
+            </a:pPr>
+            <a:r>
+              <a:rPr lang="en"/>
+              <a:t>Harika Nalam</a:t>
+            </a:r>
+            <a:endParaRPr/>
+          </a:p>
+          <a:p>
+            <a:pPr indent="0" lvl="0" marL="0" rtl="0" algn="l">
+              <a:lnSpc>
+                <a:spcPct val="115000"/>
+              </a:lnSpc>
+              <a:spcBef>
+                <a:spcPts val="0"/>
+              </a:spcBef>
+              <a:spcAft>
+                <a:spcPts val="0"/>
+              </a:spcAft>
+              <a:buClr>
+                <a:schemeClr val="dk1"/>
+              </a:buClr>
+              <a:buSzPts val="1100"/>
+              <a:buFont typeface="Arial"/>
+              <a:buNone/>
+            </a:pPr>
+            <a:r>
+              <a:rPr lang="en"/>
+              <a:t>015939963</a:t>
+            </a:r>
+            <a:endParaRPr sz="1000">
+              <a:solidFill>
+                <a:schemeClr val="dk1"/>
+              </a:solidFill>
+            </a:endParaRPr>
+          </a:p>
+          <a:p>
+            <a:pPr indent="0" lvl="0" marL="0" rtl="0" algn="l">
+              <a:spcBef>
+                <a:spcPts val="0"/>
+              </a:spcBef>
+              <a:spcAft>
+                <a:spcPts val="0"/>
+              </a:spcAft>
+              <a:buNone/>
+            </a:pPr>
+            <a:r>
+              <a:t/>
             </a:r>
             <a:endParaRPr/>
           </a:p>
@@ -6960,7 +7145,7 @@
   <p:cSld>
     <p:spTree>
       <p:nvGrpSpPr>
-        <p:cNvPr id="111" name="Shape 111"/>
+        <p:cNvPr id="112" name="Shape 112"/>
         <p:cNvGrpSpPr/>
         <p:nvPr/>
       </p:nvGrpSpPr>
@@ -6974,7 +7159,7 @@
       </p:grpSpPr>
       <p:sp>
         <p:nvSpPr>
-          <p:cNvPr id="112" name="Google Shape;112;p22"/>
+          <p:cNvPr id="113" name="Google Shape;113;p22"/>
           <p:cNvSpPr txBox="1"/>
           <p:nvPr>
             <p:ph type="title"/>
@@ -7014,7 +7199,7 @@
       </p:sp>
       <p:sp>
         <p:nvSpPr>
-          <p:cNvPr id="113" name="Google Shape;113;p22"/>
+          <p:cNvPr id="114" name="Google Shape;114;p22"/>
           <p:cNvSpPr txBox="1"/>
           <p:nvPr>
             <p:ph idx="1" type="body"/>
@@ -7106,7 +7291,7 @@
       </p:sp>
       <p:pic>
         <p:nvPicPr>
-          <p:cNvPr id="114" name="Google Shape;114;p22"/>
+          <p:cNvPr id="115" name="Google Shape;115;p22"/>
           <p:cNvPicPr preferRelativeResize="0"/>
           <p:nvPr/>
         </p:nvPicPr>
@@ -7145,7 +7330,7 @@
   <p:cSld>
     <p:spTree>
       <p:nvGrpSpPr>
-        <p:cNvPr id="118" name="Shape 118"/>
+        <p:cNvPr id="119" name="Shape 119"/>
         <p:cNvGrpSpPr/>
         <p:nvPr/>
       </p:nvGrpSpPr>
@@ -7159,7 +7344,7 @@
       </p:grpSpPr>
       <p:sp>
         <p:nvSpPr>
-          <p:cNvPr id="119" name="Google Shape;119;p23"/>
+          <p:cNvPr id="120" name="Google Shape;120;p23"/>
           <p:cNvSpPr txBox="1"/>
           <p:nvPr>
             <p:ph type="title"/>
@@ -7199,7 +7384,7 @@
       </p:sp>
       <p:sp>
         <p:nvSpPr>
-          <p:cNvPr id="120" name="Google Shape;120;p23"/>
+          <p:cNvPr id="121" name="Google Shape;121;p23"/>
           <p:cNvSpPr txBox="1"/>
           <p:nvPr>
             <p:ph idx="1" type="body"/>
@@ -7240,22 +7425,21 @@
       </p:sp>
       <p:pic>
         <p:nvPicPr>
-          <p:cNvPr id="121" name="Google Shape;121;p23"/>
+          <p:cNvPr id="122" name="Google Shape;122;p23"/>
           <p:cNvPicPr preferRelativeResize="0"/>
           <p:nvPr/>
         </p:nvPicPr>
-        <p:blipFill>
+        <p:blipFill rotWithShape="1">
           <a:blip r:embed="rId3">
             <a:alphaModFix/>
           </a:blip>
-          <a:stretch>
-            <a:fillRect/>
-          </a:stretch>
+          <a:srcRect b="23553" l="0" r="0" t="0"/>
+          <a:stretch/>
         </p:blipFill>
         <p:spPr>
           <a:xfrm>
-            <a:off x="1113565" y="2571750"/>
-            <a:ext cx="6581434" cy="1997125"/>
+            <a:off x="1113575" y="2571750"/>
+            <a:ext cx="6581425" cy="1526700"/>
           </a:xfrm>
           <a:prstGeom prst="rect">
             <a:avLst/>
@@ -7279,7 +7463,7 @@
   <p:cSld>
     <p:spTree>
       <p:nvGrpSpPr>
-        <p:cNvPr id="125" name="Shape 125"/>
+        <p:cNvPr id="126" name="Shape 126"/>
         <p:cNvGrpSpPr/>
         <p:nvPr/>
       </p:nvGrpSpPr>
@@ -7293,7 +7477,7 @@
       </p:grpSpPr>
       <p:sp>
         <p:nvSpPr>
-          <p:cNvPr id="126" name="Google Shape;126;p24"/>
+          <p:cNvPr id="127" name="Google Shape;127;p24"/>
           <p:cNvSpPr txBox="1"/>
           <p:nvPr>
             <p:ph type="title"/>
@@ -7333,7 +7517,7 @@
       </p:sp>
       <p:sp>
         <p:nvSpPr>
-          <p:cNvPr id="127" name="Google Shape;127;p24"/>
+          <p:cNvPr id="128" name="Google Shape;128;p24"/>
           <p:cNvSpPr txBox="1"/>
           <p:nvPr>
             <p:ph idx="1" type="body"/>
@@ -7469,7 +7653,7 @@
   <p:cSld>
     <p:spTree>
       <p:nvGrpSpPr>
-        <p:cNvPr id="131" name="Shape 131"/>
+        <p:cNvPr id="132" name="Shape 132"/>
         <p:cNvGrpSpPr/>
         <p:nvPr/>
       </p:nvGrpSpPr>
@@ -7483,7 +7667,7 @@
       </p:grpSpPr>
       <p:sp>
         <p:nvSpPr>
-          <p:cNvPr id="132" name="Google Shape;132;p25"/>
+          <p:cNvPr id="133" name="Google Shape;133;p25"/>
           <p:cNvSpPr txBox="1"/>
           <p:nvPr>
             <p:ph type="title"/>
@@ -7523,7 +7707,7 @@
       </p:sp>
       <p:sp>
         <p:nvSpPr>
-          <p:cNvPr id="133" name="Google Shape;133;p25"/>
+          <p:cNvPr id="134" name="Google Shape;134;p25"/>
           <p:cNvSpPr txBox="1"/>
           <p:nvPr>
             <p:ph idx="1" type="body"/>
@@ -7719,7 +7903,7 @@
   <p:cSld>
     <p:spTree>
       <p:nvGrpSpPr>
-        <p:cNvPr id="137" name="Shape 137"/>
+        <p:cNvPr id="138" name="Shape 138"/>
         <p:cNvGrpSpPr/>
         <p:nvPr/>
       </p:nvGrpSpPr>
@@ -7733,7 +7917,7 @@
       </p:grpSpPr>
       <p:sp>
         <p:nvSpPr>
-          <p:cNvPr id="138" name="Google Shape;138;p26"/>
+          <p:cNvPr id="139" name="Google Shape;139;p26"/>
           <p:cNvSpPr txBox="1"/>
           <p:nvPr>
             <p:ph type="title"/>
@@ -7773,7 +7957,7 @@
       </p:sp>
       <p:sp>
         <p:nvSpPr>
-          <p:cNvPr id="139" name="Google Shape;139;p26"/>
+          <p:cNvPr id="140" name="Google Shape;140;p26"/>
           <p:cNvSpPr txBox="1"/>
           <p:nvPr>
             <p:ph idx="1" type="body"/>
@@ -7978,7 +8162,7 @@
   <p:cSld>
     <p:spTree>
       <p:nvGrpSpPr>
-        <p:cNvPr id="143" name="Shape 143"/>
+        <p:cNvPr id="144" name="Shape 144"/>
         <p:cNvGrpSpPr/>
         <p:nvPr/>
       </p:nvGrpSpPr>
@@ -7992,7 +8176,154 @@
       </p:grpSpPr>
       <p:sp>
         <p:nvSpPr>
-          <p:cNvPr id="144" name="Google Shape;144;p27"/>
+          <p:cNvPr id="145" name="Google Shape;145;p27"/>
+          <p:cNvSpPr txBox="1"/>
+          <p:nvPr>
+            <p:ph type="title"/>
+          </p:nvPr>
+        </p:nvSpPr>
+        <p:spPr>
+          <a:xfrm>
+            <a:off x="311700" y="445025"/>
+            <a:ext cx="8520600" cy="572700"/>
+          </a:xfrm>
+          <a:prstGeom prst="rect">
+            <a:avLst/>
+          </a:prstGeom>
+        </p:spPr>
+        <p:txBody>
+          <a:bodyPr anchorCtr="0" anchor="t" bIns="91425" lIns="91425" spcFirstLastPara="1" rIns="91425" wrap="square" tIns="91425">
+            <a:normAutofit fontScale="90000"/>
+          </a:bodyPr>
+          <a:lstStyle/>
+          <a:p>
+            <a:pPr indent="0" lvl="0" marL="0" marR="0" rtl="0" algn="l">
+              <a:lnSpc>
+                <a:spcPct val="100000"/>
+              </a:lnSpc>
+              <a:spcBef>
+                <a:spcPts val="0"/>
+              </a:spcBef>
+              <a:spcAft>
+                <a:spcPts val="0"/>
+              </a:spcAft>
+              <a:buNone/>
+            </a:pPr>
+            <a:r>
+              <a:rPr lang="en"/>
+              <a:t>I</a:t>
+            </a:r>
+            <a:r>
+              <a:rPr lang="en"/>
+              <a:t>mage Data Augmentation within different domains</a:t>
+            </a:r>
+            <a:endParaRPr/>
+          </a:p>
+        </p:txBody>
+      </p:sp>
+      <p:sp>
+        <p:nvSpPr>
+          <p:cNvPr id="146" name="Google Shape;146;p27"/>
+          <p:cNvSpPr txBox="1"/>
+          <p:nvPr>
+            <p:ph idx="1" type="body"/>
+          </p:nvPr>
+        </p:nvSpPr>
+        <p:spPr>
+          <a:xfrm>
+            <a:off x="311700" y="1152475"/>
+            <a:ext cx="8520600" cy="3416400"/>
+          </a:xfrm>
+          <a:prstGeom prst="rect">
+            <a:avLst/>
+          </a:prstGeom>
+        </p:spPr>
+        <p:txBody>
+          <a:bodyPr anchorCtr="0" anchor="t" bIns="91425" lIns="91425" spcFirstLastPara="1" rIns="91425" wrap="square" tIns="91425">
+            <a:normAutofit/>
+          </a:bodyPr>
+          <a:lstStyle/>
+          <a:p>
+            <a:pPr indent="-342900" lvl="0" marL="457200" rtl="0" algn="l">
+              <a:spcBef>
+                <a:spcPts val="0"/>
+              </a:spcBef>
+              <a:spcAft>
+                <a:spcPts val="0"/>
+              </a:spcAft>
+              <a:buSzPts val="1800"/>
+              <a:buChar char="●"/>
+            </a:pPr>
+            <a:r>
+              <a:rPr lang="en"/>
+              <a:t>Medical Domain</a:t>
+            </a:r>
+            <a:endParaRPr/>
+          </a:p>
+          <a:p>
+            <a:pPr indent="-342900" lvl="0" marL="457200" rtl="0" algn="l">
+              <a:spcBef>
+                <a:spcPts val="0"/>
+              </a:spcBef>
+              <a:spcAft>
+                <a:spcPts val="0"/>
+              </a:spcAft>
+              <a:buSzPts val="1800"/>
+              <a:buChar char="●"/>
+            </a:pPr>
+            <a:r>
+              <a:rPr lang="en"/>
+              <a:t>Agricultural Domain</a:t>
+            </a:r>
+            <a:endParaRPr/>
+          </a:p>
+          <a:p>
+            <a:pPr indent="-342900" lvl="0" marL="457200" rtl="0" algn="l">
+              <a:spcBef>
+                <a:spcPts val="0"/>
+              </a:spcBef>
+              <a:spcAft>
+                <a:spcPts val="0"/>
+              </a:spcAft>
+              <a:buSzPts val="1800"/>
+              <a:buChar char="●"/>
+            </a:pPr>
+            <a:r>
+              <a:rPr lang="en"/>
+              <a:t>Remote Sensing Domain</a:t>
+            </a:r>
+            <a:endParaRPr/>
+          </a:p>
+        </p:txBody>
+      </p:sp>
+    </p:spTree>
+  </p:cSld>
+  <p:clrMapOvr>
+    <a:masterClrMapping/>
+  </p:clrMapOvr>
+</p:sld>
+</file>
+
+<file path=ppt/slides/slide16.xml><?xml version="1.0" encoding="utf-8"?>
+<p:sld xmlns:a="http://schemas.openxmlformats.org/drawingml/2006/main" xmlns:r="http://schemas.openxmlformats.org/officeDocument/2006/relationships" xmlns:mc="http://schemas.openxmlformats.org/markup-compatibility/2006" xmlns:mv="urn:schemas-microsoft-com:mac:vml" xmlns:p="http://schemas.openxmlformats.org/presentationml/2006/main" xmlns:c="http://schemas.openxmlformats.org/drawingml/2006/chart" xmlns:dgm="http://schemas.openxmlformats.org/drawingml/2006/diagram" xmlns:o="urn:schemas-microsoft-com:office:office" xmlns:v="urn:schemas-microsoft-com:vml" xmlns:pvml="urn:schemas-microsoft-com:office:powerpoint" xmlns:com="http://schemas.openxmlformats.org/drawingml/2006/compatibility" xmlns:p14="http://schemas.microsoft.com/office/powerpoint/2010/main" xmlns:p15="http://schemas.microsoft.com/office/powerpoint/2012/main" xmlns:ahyp="http://schemas.microsoft.com/office/drawing/2018/hyperlinkcolor">
+  <p:cSld>
+    <p:spTree>
+      <p:nvGrpSpPr>
+        <p:cNvPr id="150" name="Shape 150"/>
+        <p:cNvGrpSpPr/>
+        <p:nvPr/>
+      </p:nvGrpSpPr>
+      <p:grpSpPr>
+        <a:xfrm>
+          <a:off x="0" y="0"/>
+          <a:ext cx="0" cy="0"/>
+          <a:chOff x="0" y="0"/>
+          <a:chExt cx="0" cy="0"/>
+        </a:xfrm>
+      </p:grpSpPr>
+      <p:sp>
+        <p:nvSpPr>
+          <p:cNvPr id="151" name="Google Shape;151;p28"/>
           <p:cNvSpPr txBox="1"/>
           <p:nvPr>
             <p:ph idx="1" type="body"/>
@@ -8043,7 +8374,7 @@
   <p:cSld>
     <p:spTree>
       <p:nvGrpSpPr>
-        <p:cNvPr id="59" name="Shape 59"/>
+        <p:cNvPr id="60" name="Shape 60"/>
         <p:cNvGrpSpPr/>
         <p:nvPr/>
       </p:nvGrpSpPr>
@@ -8057,7 +8388,7 @@
       </p:grpSpPr>
       <p:sp>
         <p:nvSpPr>
-          <p:cNvPr id="60" name="Google Shape;60;p14"/>
+          <p:cNvPr id="61" name="Google Shape;61;p14"/>
           <p:cNvSpPr txBox="1"/>
           <p:nvPr>
             <p:ph type="title"/>
@@ -8097,7 +8428,7 @@
       </p:sp>
       <p:sp>
         <p:nvSpPr>
-          <p:cNvPr id="61" name="Google Shape;61;p14"/>
+          <p:cNvPr id="62" name="Google Shape;62;p14"/>
           <p:cNvSpPr txBox="1"/>
           <p:nvPr>
             <p:ph idx="1" type="body"/>
@@ -8362,7 +8693,7 @@
   <p:cSld>
     <p:spTree>
       <p:nvGrpSpPr>
-        <p:cNvPr id="65" name="Shape 65"/>
+        <p:cNvPr id="66" name="Shape 66"/>
         <p:cNvGrpSpPr/>
         <p:nvPr/>
       </p:nvGrpSpPr>
@@ -8376,7 +8707,7 @@
       </p:grpSpPr>
       <p:sp>
         <p:nvSpPr>
-          <p:cNvPr id="66" name="Google Shape;66;p15"/>
+          <p:cNvPr id="67" name="Google Shape;67;p15"/>
           <p:cNvSpPr txBox="1"/>
           <p:nvPr>
             <p:ph type="title"/>
@@ -8424,7 +8755,7 @@
       </p:sp>
       <p:pic>
         <p:nvPicPr>
-          <p:cNvPr id="67" name="Google Shape;67;p15"/>
+          <p:cNvPr id="68" name="Google Shape;68;p15"/>
           <p:cNvPicPr preferRelativeResize="0"/>
           <p:nvPr/>
         </p:nvPicPr>
@@ -8463,7 +8794,7 @@
   <p:cSld>
     <p:spTree>
       <p:nvGrpSpPr>
-        <p:cNvPr id="71" name="Shape 71"/>
+        <p:cNvPr id="72" name="Shape 72"/>
         <p:cNvGrpSpPr/>
         <p:nvPr/>
       </p:nvGrpSpPr>
@@ -8477,7 +8808,7 @@
       </p:grpSpPr>
       <p:sp>
         <p:nvSpPr>
-          <p:cNvPr id="72" name="Google Shape;72;p16"/>
+          <p:cNvPr id="73" name="Google Shape;73;p16"/>
           <p:cNvSpPr txBox="1"/>
           <p:nvPr>
             <p:ph type="title"/>
@@ -8517,7 +8848,7 @@
       </p:sp>
       <p:sp>
         <p:nvSpPr>
-          <p:cNvPr id="73" name="Google Shape;73;p16"/>
+          <p:cNvPr id="74" name="Google Shape;74;p16"/>
           <p:cNvSpPr txBox="1"/>
           <p:nvPr>
             <p:ph idx="1" type="body"/>
@@ -8592,7 +8923,7 @@
       </p:sp>
       <p:pic>
         <p:nvPicPr>
-          <p:cNvPr id="74" name="Google Shape;74;p16"/>
+          <p:cNvPr id="75" name="Google Shape;75;p16"/>
           <p:cNvPicPr preferRelativeResize="0"/>
           <p:nvPr/>
         </p:nvPicPr>
@@ -8631,7 +8962,7 @@
   <p:cSld>
     <p:spTree>
       <p:nvGrpSpPr>
-        <p:cNvPr id="78" name="Shape 78"/>
+        <p:cNvPr id="79" name="Shape 79"/>
         <p:cNvGrpSpPr/>
         <p:nvPr/>
       </p:nvGrpSpPr>
@@ -8645,7 +8976,7 @@
       </p:grpSpPr>
       <p:sp>
         <p:nvSpPr>
-          <p:cNvPr id="79" name="Google Shape;79;p17"/>
+          <p:cNvPr id="80" name="Google Shape;80;p17"/>
           <p:cNvSpPr txBox="1"/>
           <p:nvPr>
             <p:ph type="title"/>
@@ -8685,7 +9016,7 @@
       </p:sp>
       <p:sp>
         <p:nvSpPr>
-          <p:cNvPr id="80" name="Google Shape;80;p17"/>
+          <p:cNvPr id="81" name="Google Shape;81;p17"/>
           <p:cNvSpPr txBox="1"/>
           <p:nvPr>
             <p:ph idx="1" type="body"/>
@@ -8811,7 +9142,7 @@
       </p:sp>
       <p:pic>
         <p:nvPicPr>
-          <p:cNvPr id="81" name="Google Shape;81;p17"/>
+          <p:cNvPr id="82" name="Google Shape;82;p17"/>
           <p:cNvPicPr preferRelativeResize="0"/>
           <p:nvPr/>
         </p:nvPicPr>
@@ -8850,7 +9181,7 @@
   <p:cSld>
     <p:spTree>
       <p:nvGrpSpPr>
-        <p:cNvPr id="85" name="Shape 85"/>
+        <p:cNvPr id="86" name="Shape 86"/>
         <p:cNvGrpSpPr/>
         <p:nvPr/>
       </p:nvGrpSpPr>
@@ -8864,7 +9195,7 @@
       </p:grpSpPr>
       <p:sp>
         <p:nvSpPr>
-          <p:cNvPr id="86" name="Google Shape;86;p18"/>
+          <p:cNvPr id="87" name="Google Shape;87;p18"/>
           <p:cNvSpPr txBox="1"/>
           <p:nvPr>
             <p:ph type="title"/>
@@ -8904,7 +9235,7 @@
       </p:sp>
       <p:sp>
         <p:nvSpPr>
-          <p:cNvPr id="87" name="Google Shape;87;p18"/>
+          <p:cNvPr id="88" name="Google Shape;88;p18"/>
           <p:cNvSpPr txBox="1"/>
           <p:nvPr>
             <p:ph idx="1" type="body"/>
@@ -9113,7 +9444,7 @@
       </p:sp>
       <p:pic>
         <p:nvPicPr>
-          <p:cNvPr id="88" name="Google Shape;88;p18"/>
+          <p:cNvPr id="89" name="Google Shape;89;p18"/>
           <p:cNvPicPr preferRelativeResize="0"/>
           <p:nvPr/>
         </p:nvPicPr>
@@ -9152,7 +9483,7 @@
   <p:cSld>
     <p:spTree>
       <p:nvGrpSpPr>
-        <p:cNvPr id="92" name="Shape 92"/>
+        <p:cNvPr id="93" name="Shape 93"/>
         <p:cNvGrpSpPr/>
         <p:nvPr/>
       </p:nvGrpSpPr>
@@ -9166,7 +9497,7 @@
       </p:grpSpPr>
       <p:sp>
         <p:nvSpPr>
-          <p:cNvPr id="93" name="Google Shape;93;p19"/>
+          <p:cNvPr id="94" name="Google Shape;94;p19"/>
           <p:cNvSpPr txBox="1"/>
           <p:nvPr>
             <p:ph type="title"/>
@@ -9206,7 +9537,7 @@
       </p:sp>
       <p:sp>
         <p:nvSpPr>
-          <p:cNvPr id="94" name="Google Shape;94;p19"/>
+          <p:cNvPr id="95" name="Google Shape;95;p19"/>
           <p:cNvSpPr txBox="1"/>
           <p:nvPr>
             <p:ph idx="1" type="body"/>
@@ -9275,7 +9606,7 @@
   <p:cSld>
     <p:spTree>
       <p:nvGrpSpPr>
-        <p:cNvPr id="98" name="Shape 98"/>
+        <p:cNvPr id="99" name="Shape 99"/>
         <p:cNvGrpSpPr/>
         <p:nvPr/>
       </p:nvGrpSpPr>
@@ -9289,7 +9620,7 @@
       </p:grpSpPr>
       <p:sp>
         <p:nvSpPr>
-          <p:cNvPr id="99" name="Google Shape;99;p20"/>
+          <p:cNvPr id="100" name="Google Shape;100;p20"/>
           <p:cNvSpPr txBox="1"/>
           <p:nvPr>
             <p:ph type="title"/>
@@ -9352,7 +9683,7 @@
       </p:sp>
       <p:sp>
         <p:nvSpPr>
-          <p:cNvPr id="100" name="Google Shape;100;p20"/>
+          <p:cNvPr id="101" name="Google Shape;101;p20"/>
           <p:cNvSpPr txBox="1"/>
           <p:nvPr>
             <p:ph idx="1" type="body"/>
@@ -9410,7 +9741,7 @@
       </p:sp>
       <p:pic>
         <p:nvPicPr>
-          <p:cNvPr id="101" name="Google Shape;101;p20"/>
+          <p:cNvPr id="102" name="Google Shape;102;p20"/>
           <p:cNvPicPr preferRelativeResize="0"/>
           <p:nvPr/>
         </p:nvPicPr>
@@ -9449,7 +9780,7 @@
   <p:cSld>
     <p:spTree>
       <p:nvGrpSpPr>
-        <p:cNvPr id="105" name="Shape 105"/>
+        <p:cNvPr id="106" name="Shape 106"/>
         <p:cNvGrpSpPr/>
         <p:nvPr/>
       </p:nvGrpSpPr>
@@ -9463,7 +9794,7 @@
       </p:grpSpPr>
       <p:sp>
         <p:nvSpPr>
-          <p:cNvPr id="106" name="Google Shape;106;p21"/>
+          <p:cNvPr id="107" name="Google Shape;107;p21"/>
           <p:cNvSpPr txBox="1"/>
           <p:nvPr>
             <p:ph type="title"/>
@@ -9511,7 +9842,7 @@
       </p:sp>
       <p:sp>
         <p:nvSpPr>
-          <p:cNvPr id="107" name="Google Shape;107;p21"/>
+          <p:cNvPr id="108" name="Google Shape;108;p21"/>
           <p:cNvSpPr txBox="1"/>
           <p:nvPr>
             <p:ph idx="1" type="body"/>
